--- a/Curse of Parrying/설계도.pptx
+++ b/Curse of Parrying/설계도.pptx
@@ -6,6 +6,7 @@
   </p:sldMasterIdLst>
   <p:sldIdLst>
     <p:sldId id="256" r:id="rId2"/>
+    <p:sldId id="257" r:id="rId3"/>
   </p:sldIdLst>
   <p:sldSz cx="12192000" cy="6858000"/>
   <p:notesSz cx="6858000" cy="9144000"/>
@@ -491,7 +492,7 @@
           <a:p>
             <a:fld id="{CEC28411-0992-44D7-89CC-79AC4DD451C9}" type="datetimeFigureOut">
               <a:rPr lang="ko-KR" altLang="en-US" smtClean="0"/>
-              <a:t>2022-11-01</a:t>
+              <a:t>2022-11-05</a:t>
             </a:fld>
             <a:endParaRPr lang="ko-KR" altLang="en-US"/>
           </a:p>
@@ -689,7 +690,7 @@
           <a:p>
             <a:fld id="{CEC28411-0992-44D7-89CC-79AC4DD451C9}" type="datetimeFigureOut">
               <a:rPr lang="ko-KR" altLang="en-US" smtClean="0"/>
-              <a:t>2022-11-01</a:t>
+              <a:t>2022-11-05</a:t>
             </a:fld>
             <a:endParaRPr lang="ko-KR" altLang="en-US"/>
           </a:p>
@@ -897,7 +898,7 @@
           <a:p>
             <a:fld id="{CEC28411-0992-44D7-89CC-79AC4DD451C9}" type="datetimeFigureOut">
               <a:rPr lang="ko-KR" altLang="en-US" smtClean="0"/>
-              <a:t>2022-11-01</a:t>
+              <a:t>2022-11-05</a:t>
             </a:fld>
             <a:endParaRPr lang="ko-KR" altLang="en-US"/>
           </a:p>
@@ -1095,7 +1096,7 @@
           <a:p>
             <a:fld id="{CEC28411-0992-44D7-89CC-79AC4DD451C9}" type="datetimeFigureOut">
               <a:rPr lang="ko-KR" altLang="en-US" smtClean="0"/>
-              <a:t>2022-11-01</a:t>
+              <a:t>2022-11-05</a:t>
             </a:fld>
             <a:endParaRPr lang="ko-KR" altLang="en-US"/>
           </a:p>
@@ -1370,7 +1371,7 @@
           <a:p>
             <a:fld id="{CEC28411-0992-44D7-89CC-79AC4DD451C9}" type="datetimeFigureOut">
               <a:rPr lang="ko-KR" altLang="en-US" smtClean="0"/>
-              <a:t>2022-11-01</a:t>
+              <a:t>2022-11-05</a:t>
             </a:fld>
             <a:endParaRPr lang="ko-KR" altLang="en-US"/>
           </a:p>
@@ -1635,7 +1636,7 @@
           <a:p>
             <a:fld id="{CEC28411-0992-44D7-89CC-79AC4DD451C9}" type="datetimeFigureOut">
               <a:rPr lang="ko-KR" altLang="en-US" smtClean="0"/>
-              <a:t>2022-11-01</a:t>
+              <a:t>2022-11-05</a:t>
             </a:fld>
             <a:endParaRPr lang="ko-KR" altLang="en-US"/>
           </a:p>
@@ -2047,7 +2048,7 @@
           <a:p>
             <a:fld id="{CEC28411-0992-44D7-89CC-79AC4DD451C9}" type="datetimeFigureOut">
               <a:rPr lang="ko-KR" altLang="en-US" smtClean="0"/>
-              <a:t>2022-11-01</a:t>
+              <a:t>2022-11-05</a:t>
             </a:fld>
             <a:endParaRPr lang="ko-KR" altLang="en-US"/>
           </a:p>
@@ -2188,7 +2189,7 @@
           <a:p>
             <a:fld id="{CEC28411-0992-44D7-89CC-79AC4DD451C9}" type="datetimeFigureOut">
               <a:rPr lang="ko-KR" altLang="en-US" smtClean="0"/>
-              <a:t>2022-11-01</a:t>
+              <a:t>2022-11-05</a:t>
             </a:fld>
             <a:endParaRPr lang="ko-KR" altLang="en-US"/>
           </a:p>
@@ -2301,7 +2302,7 @@
           <a:p>
             <a:fld id="{CEC28411-0992-44D7-89CC-79AC4DD451C9}" type="datetimeFigureOut">
               <a:rPr lang="ko-KR" altLang="en-US" smtClean="0"/>
-              <a:t>2022-11-01</a:t>
+              <a:t>2022-11-05</a:t>
             </a:fld>
             <a:endParaRPr lang="ko-KR" altLang="en-US"/>
           </a:p>
@@ -2612,7 +2613,7 @@
           <a:p>
             <a:fld id="{CEC28411-0992-44D7-89CC-79AC4DD451C9}" type="datetimeFigureOut">
               <a:rPr lang="ko-KR" altLang="en-US" smtClean="0"/>
-              <a:t>2022-11-01</a:t>
+              <a:t>2022-11-05</a:t>
             </a:fld>
             <a:endParaRPr lang="ko-KR" altLang="en-US"/>
           </a:p>
@@ -2900,7 +2901,7 @@
           <a:p>
             <a:fld id="{CEC28411-0992-44D7-89CC-79AC4DD451C9}" type="datetimeFigureOut">
               <a:rPr lang="ko-KR" altLang="en-US" smtClean="0"/>
-              <a:t>2022-11-01</a:t>
+              <a:t>2022-11-05</a:t>
             </a:fld>
             <a:endParaRPr lang="ko-KR" altLang="en-US"/>
           </a:p>
@@ -3141,7 +3142,7 @@
           <a:p>
             <a:fld id="{CEC28411-0992-44D7-89CC-79AC4DD451C9}" type="datetimeFigureOut">
               <a:rPr lang="ko-KR" altLang="en-US" smtClean="0"/>
-              <a:t>2022-11-01</a:t>
+              <a:t>2022-11-05</a:t>
             </a:fld>
             <a:endParaRPr lang="ko-KR" altLang="en-US"/>
           </a:p>
@@ -4879,8 +4880,8 @@
           </a:p>
         </p:txBody>
       </p:sp>
-      <mc:AlternateContent xmlns:mc="http://schemas.openxmlformats.org/markup-compatibility/2006">
-        <mc:Choice xmlns:p14="http://schemas.microsoft.com/office/powerpoint/2010/main" Requires="p14">
+      <mc:AlternateContent xmlns:mc="http://schemas.openxmlformats.org/markup-compatibility/2006" xmlns:p14="http://schemas.microsoft.com/office/powerpoint/2010/main">
+        <mc:Choice Requires="p14">
           <p:contentPart p14:bwMode="auto" r:id="rId2">
             <p14:nvContentPartPr>
               <p14:cNvPr id="79" name="잉크 78">
@@ -4899,7 +4900,7 @@
             </p14:xfrm>
           </p:contentPart>
         </mc:Choice>
-        <mc:Fallback>
+        <mc:Fallback xmlns="">
           <p:pic>
             <p:nvPicPr>
               <p:cNvPr id="79" name="잉크 78">
@@ -4930,8 +4931,8 @@
           </p:pic>
         </mc:Fallback>
       </mc:AlternateContent>
-      <mc:AlternateContent xmlns:mc="http://schemas.openxmlformats.org/markup-compatibility/2006">
-        <mc:Choice xmlns:p14="http://schemas.microsoft.com/office/powerpoint/2010/main" Requires="p14">
+      <mc:AlternateContent xmlns:mc="http://schemas.openxmlformats.org/markup-compatibility/2006" xmlns:p14="http://schemas.microsoft.com/office/powerpoint/2010/main">
+        <mc:Choice Requires="p14">
           <p:contentPart p14:bwMode="auto" r:id="rId4">
             <p14:nvContentPartPr>
               <p14:cNvPr id="80" name="잉크 79">
@@ -4950,7 +4951,7 @@
             </p14:xfrm>
           </p:contentPart>
         </mc:Choice>
-        <mc:Fallback>
+        <mc:Fallback xmlns="">
           <p:pic>
             <p:nvPicPr>
               <p:cNvPr id="80" name="잉크 79">
@@ -4981,8 +4982,8 @@
           </p:pic>
         </mc:Fallback>
       </mc:AlternateContent>
-      <mc:AlternateContent xmlns:mc="http://schemas.openxmlformats.org/markup-compatibility/2006">
-        <mc:Choice xmlns:p14="http://schemas.microsoft.com/office/powerpoint/2010/main" Requires="p14">
+      <mc:AlternateContent xmlns:mc="http://schemas.openxmlformats.org/markup-compatibility/2006" xmlns:p14="http://schemas.microsoft.com/office/powerpoint/2010/main">
+        <mc:Choice Requires="p14">
           <p:contentPart p14:bwMode="auto" r:id="rId6">
             <p14:nvContentPartPr>
               <p14:cNvPr id="81" name="잉크 80">
@@ -5001,7 +5002,7 @@
             </p14:xfrm>
           </p:contentPart>
         </mc:Choice>
-        <mc:Fallback>
+        <mc:Fallback xmlns="">
           <p:pic>
             <p:nvPicPr>
               <p:cNvPr id="81" name="잉크 80">
@@ -5032,8 +5033,8 @@
           </p:pic>
         </mc:Fallback>
       </mc:AlternateContent>
-      <mc:AlternateContent xmlns:mc="http://schemas.openxmlformats.org/markup-compatibility/2006">
-        <mc:Choice xmlns:p14="http://schemas.microsoft.com/office/powerpoint/2010/main" Requires="p14">
+      <mc:AlternateContent xmlns:mc="http://schemas.openxmlformats.org/markup-compatibility/2006" xmlns:p14="http://schemas.microsoft.com/office/powerpoint/2010/main">
+        <mc:Choice Requires="p14">
           <p:contentPart p14:bwMode="auto" r:id="rId7">
             <p14:nvContentPartPr>
               <p14:cNvPr id="82" name="잉크 81">
@@ -5052,7 +5053,7 @@
             </p14:xfrm>
           </p:contentPart>
         </mc:Choice>
-        <mc:Fallback>
+        <mc:Fallback xmlns="">
           <p:pic>
             <p:nvPicPr>
               <p:cNvPr id="82" name="잉크 81">
@@ -5083,8 +5084,8 @@
           </p:pic>
         </mc:Fallback>
       </mc:AlternateContent>
-      <mc:AlternateContent xmlns:mc="http://schemas.openxmlformats.org/markup-compatibility/2006">
-        <mc:Choice xmlns:p14="http://schemas.microsoft.com/office/powerpoint/2010/main" Requires="p14">
+      <mc:AlternateContent xmlns:mc="http://schemas.openxmlformats.org/markup-compatibility/2006" xmlns:p14="http://schemas.microsoft.com/office/powerpoint/2010/main">
+        <mc:Choice Requires="p14">
           <p:contentPart p14:bwMode="auto" r:id="rId8">
             <p14:nvContentPartPr>
               <p14:cNvPr id="83" name="잉크 82">
@@ -5103,7 +5104,7 @@
             </p14:xfrm>
           </p:contentPart>
         </mc:Choice>
-        <mc:Fallback>
+        <mc:Fallback xmlns="">
           <p:pic>
             <p:nvPicPr>
               <p:cNvPr id="83" name="잉크 82">
@@ -5245,8 +5246,8 @@
           </a:p>
         </p:txBody>
       </p:sp>
-      <mc:AlternateContent xmlns:mc="http://schemas.openxmlformats.org/markup-compatibility/2006">
-        <mc:Choice xmlns:p14="http://schemas.microsoft.com/office/powerpoint/2010/main" Requires="p14">
+      <mc:AlternateContent xmlns:mc="http://schemas.openxmlformats.org/markup-compatibility/2006" xmlns:p14="http://schemas.microsoft.com/office/powerpoint/2010/main">
+        <mc:Choice Requires="p14">
           <p:contentPart p14:bwMode="auto" r:id="rId9">
             <p14:nvContentPartPr>
               <p14:cNvPr id="90" name="잉크 89">
@@ -5265,7 +5266,7 @@
             </p14:xfrm>
           </p:contentPart>
         </mc:Choice>
-        <mc:Fallback>
+        <mc:Fallback xmlns="">
           <p:pic>
             <p:nvPicPr>
               <p:cNvPr id="90" name="잉크 89">
@@ -5296,8 +5297,8 @@
           </p:pic>
         </mc:Fallback>
       </mc:AlternateContent>
-      <mc:AlternateContent xmlns:mc="http://schemas.openxmlformats.org/markup-compatibility/2006">
-        <mc:Choice xmlns:p14="http://schemas.microsoft.com/office/powerpoint/2010/main" Requires="p14">
+      <mc:AlternateContent xmlns:mc="http://schemas.openxmlformats.org/markup-compatibility/2006" xmlns:p14="http://schemas.microsoft.com/office/powerpoint/2010/main">
+        <mc:Choice Requires="p14">
           <p:contentPart p14:bwMode="auto" r:id="rId11">
             <p14:nvContentPartPr>
               <p14:cNvPr id="91" name="잉크 90">
@@ -5316,7 +5317,7 @@
             </p14:xfrm>
           </p:contentPart>
         </mc:Choice>
-        <mc:Fallback>
+        <mc:Fallback xmlns="">
           <p:pic>
             <p:nvPicPr>
               <p:cNvPr id="91" name="잉크 90">
@@ -5347,8 +5348,8 @@
           </p:pic>
         </mc:Fallback>
       </mc:AlternateContent>
-      <mc:AlternateContent xmlns:mc="http://schemas.openxmlformats.org/markup-compatibility/2006">
-        <mc:Choice xmlns:p14="http://schemas.microsoft.com/office/powerpoint/2010/main" Requires="p14">
+      <mc:AlternateContent xmlns:mc="http://schemas.openxmlformats.org/markup-compatibility/2006" xmlns:p14="http://schemas.microsoft.com/office/powerpoint/2010/main">
+        <mc:Choice Requires="p14">
           <p:contentPart p14:bwMode="auto" r:id="rId13">
             <p14:nvContentPartPr>
               <p14:cNvPr id="92" name="잉크 91">
@@ -5367,7 +5368,7 @@
             </p14:xfrm>
           </p:contentPart>
         </mc:Choice>
-        <mc:Fallback>
+        <mc:Fallback xmlns="">
           <p:pic>
             <p:nvPicPr>
               <p:cNvPr id="92" name="잉크 91">
@@ -5402,6 +5403,2112 @@
     <p:extLst>
       <p:ext uri="{BB962C8B-B14F-4D97-AF65-F5344CB8AC3E}">
         <p14:creationId xmlns:p14="http://schemas.microsoft.com/office/powerpoint/2010/main" val="2472002553"/>
+      </p:ext>
+    </p:extLst>
+  </p:cSld>
+  <p:clrMapOvr>
+    <a:masterClrMapping/>
+  </p:clrMapOvr>
+</p:sld>
+</file>
+
+<file path=ppt/slides/slide2.xml><?xml version="1.0" encoding="utf-8"?>
+<p:sld xmlns:a="http://schemas.openxmlformats.org/drawingml/2006/main" xmlns:r="http://schemas.openxmlformats.org/officeDocument/2006/relationships" xmlns:p="http://schemas.openxmlformats.org/presentationml/2006/main">
+  <p:cSld>
+    <p:spTree>
+      <p:nvGrpSpPr>
+        <p:cNvPr id="1" name=""/>
+        <p:cNvGrpSpPr/>
+        <p:nvPr/>
+      </p:nvGrpSpPr>
+      <p:grpSpPr>
+        <a:xfrm>
+          <a:off x="0" y="0"/>
+          <a:ext cx="0" cy="0"/>
+          <a:chOff x="0" y="0"/>
+          <a:chExt cx="0" cy="0"/>
+        </a:xfrm>
+      </p:grpSpPr>
+      <p:sp>
+        <p:nvSpPr>
+          <p:cNvPr id="2" name="직사각형 1">
+            <a:extLst>
+              <a:ext uri="{FF2B5EF4-FFF2-40B4-BE49-F238E27FC236}">
+                <a16:creationId xmlns:a16="http://schemas.microsoft.com/office/drawing/2014/main" id="{14055C25-78C9-0FE7-B094-2FE9D42B6D3A}"/>
+              </a:ext>
+            </a:extLst>
+          </p:cNvPr>
+          <p:cNvSpPr/>
+          <p:nvPr/>
+        </p:nvSpPr>
+        <p:spPr>
+          <a:xfrm>
+            <a:off x="1233577" y="552091"/>
+            <a:ext cx="1153065" cy="407118"/>
+          </a:xfrm>
+          <a:prstGeom prst="rect">
+            <a:avLst/>
+          </a:prstGeom>
+          <a:solidFill>
+            <a:schemeClr val="accent2">
+              <a:lumMod val="20000"/>
+              <a:lumOff val="80000"/>
+            </a:schemeClr>
+          </a:solidFill>
+          <a:ln w="19050">
+            <a:solidFill>
+              <a:schemeClr val="tx1"/>
+            </a:solidFill>
+          </a:ln>
+        </p:spPr>
+        <p:style>
+          <a:lnRef idx="2">
+            <a:schemeClr val="accent1">
+              <a:shade val="50000"/>
+            </a:schemeClr>
+          </a:lnRef>
+          <a:fillRef idx="1">
+            <a:schemeClr val="accent1"/>
+          </a:fillRef>
+          <a:effectRef idx="0">
+            <a:schemeClr val="accent1"/>
+          </a:effectRef>
+          <a:fontRef idx="minor">
+            <a:schemeClr val="lt1"/>
+          </a:fontRef>
+        </p:style>
+        <p:txBody>
+          <a:bodyPr rtlCol="0" anchor="ctr"/>
+          <a:lstStyle/>
+          <a:p>
+            <a:pPr algn="ctr"/>
+            <a:r>
+              <a:rPr lang="en-US" altLang="ko-KR" sz="1100" b="1">
+                <a:solidFill>
+                  <a:schemeClr val="tx1"/>
+                </a:solidFill>
+                <a:latin typeface="나눔고딕" panose="020D0604000000000000" pitchFamily="50" charset="-127"/>
+                <a:ea typeface="나눔고딕" panose="020D0604000000000000" pitchFamily="50" charset="-127"/>
+              </a:rPr>
+              <a:t>&lt;play_state&gt;</a:t>
+            </a:r>
+          </a:p>
+          <a:p>
+            <a:pPr algn="ctr"/>
+            <a:r>
+              <a:rPr lang="en-US" altLang="ko-KR" sz="1100" b="1">
+                <a:solidFill>
+                  <a:schemeClr val="tx1"/>
+                </a:solidFill>
+                <a:latin typeface="나눔고딕" panose="020D0604000000000000" pitchFamily="50" charset="-127"/>
+                <a:ea typeface="나눔고딕" panose="020D0604000000000000" pitchFamily="50" charset="-127"/>
+              </a:rPr>
+              <a:t>handle_events</a:t>
+            </a:r>
+            <a:endParaRPr lang="ko-KR" altLang="en-US" sz="1100" b="1">
+              <a:solidFill>
+                <a:schemeClr val="tx1"/>
+              </a:solidFill>
+              <a:latin typeface="나눔고딕" panose="020D0604000000000000" pitchFamily="50" charset="-127"/>
+              <a:ea typeface="나눔고딕" panose="020D0604000000000000" pitchFamily="50" charset="-127"/>
+            </a:endParaRPr>
+          </a:p>
+        </p:txBody>
+      </p:sp>
+      <p:sp>
+        <p:nvSpPr>
+          <p:cNvPr id="3" name="다이아몬드 2">
+            <a:extLst>
+              <a:ext uri="{FF2B5EF4-FFF2-40B4-BE49-F238E27FC236}">
+                <a16:creationId xmlns:a16="http://schemas.microsoft.com/office/drawing/2014/main" id="{3FAA3228-2AF5-D284-FF38-71BB70A9DA94}"/>
+              </a:ext>
+            </a:extLst>
+          </p:cNvPr>
+          <p:cNvSpPr/>
+          <p:nvPr/>
+        </p:nvSpPr>
+        <p:spPr>
+          <a:xfrm>
+            <a:off x="1184694" y="1320445"/>
+            <a:ext cx="1250830" cy="431320"/>
+          </a:xfrm>
+          <a:prstGeom prst="diamond">
+            <a:avLst/>
+          </a:prstGeom>
+          <a:solidFill>
+            <a:schemeClr val="accent6">
+              <a:lumMod val="40000"/>
+              <a:lumOff val="60000"/>
+            </a:schemeClr>
+          </a:solidFill>
+          <a:ln w="19050">
+            <a:solidFill>
+              <a:schemeClr val="tx1"/>
+            </a:solidFill>
+          </a:ln>
+        </p:spPr>
+        <p:style>
+          <a:lnRef idx="2">
+            <a:schemeClr val="accent1">
+              <a:shade val="50000"/>
+            </a:schemeClr>
+          </a:lnRef>
+          <a:fillRef idx="1">
+            <a:schemeClr val="accent1"/>
+          </a:fillRef>
+          <a:effectRef idx="0">
+            <a:schemeClr val="accent1"/>
+          </a:effectRef>
+          <a:fontRef idx="minor">
+            <a:schemeClr val="lt1"/>
+          </a:fontRef>
+        </p:style>
+        <p:txBody>
+          <a:bodyPr rtlCol="0" anchor="ctr"/>
+          <a:lstStyle/>
+          <a:p>
+            <a:pPr algn="ctr"/>
+            <a:r>
+              <a:rPr lang="en-US" altLang="ko-KR" sz="800">
+                <a:solidFill>
+                  <a:schemeClr val="tx1"/>
+                </a:solidFill>
+                <a:latin typeface="나눔고딕" panose="020D0604000000000000" pitchFamily="50" charset="-127"/>
+                <a:ea typeface="나눔고딕" panose="020D0604000000000000" pitchFamily="50" charset="-127"/>
+              </a:rPr>
+              <a:t>event in events</a:t>
+            </a:r>
+            <a:endParaRPr lang="ko-KR" altLang="en-US" sz="800">
+              <a:solidFill>
+                <a:schemeClr val="tx1"/>
+              </a:solidFill>
+              <a:latin typeface="나눔고딕" panose="020D0604000000000000" pitchFamily="50" charset="-127"/>
+              <a:ea typeface="나눔고딕" panose="020D0604000000000000" pitchFamily="50" charset="-127"/>
+            </a:endParaRPr>
+          </a:p>
+        </p:txBody>
+      </p:sp>
+      <p:cxnSp>
+        <p:nvCxnSpPr>
+          <p:cNvPr id="4" name="직선 화살표 연결선 3">
+            <a:extLst>
+              <a:ext uri="{FF2B5EF4-FFF2-40B4-BE49-F238E27FC236}">
+                <a16:creationId xmlns:a16="http://schemas.microsoft.com/office/drawing/2014/main" id="{EDAD53A0-0F05-D3AD-38BE-86648AA8523B}"/>
+              </a:ext>
+            </a:extLst>
+          </p:cNvPr>
+          <p:cNvCxnSpPr>
+            <a:cxnSpLocks/>
+            <a:stCxn id="2" idx="2"/>
+            <a:endCxn id="3" idx="0"/>
+          </p:cNvCxnSpPr>
+          <p:nvPr/>
+        </p:nvCxnSpPr>
+        <p:spPr>
+          <a:xfrm flipH="1">
+            <a:off x="1810109" y="959209"/>
+            <a:ext cx="1" cy="361236"/>
+          </a:xfrm>
+          <a:prstGeom prst="straightConnector1">
+            <a:avLst/>
+          </a:prstGeom>
+          <a:ln>
+            <a:tailEnd type="triangle"/>
+          </a:ln>
+        </p:spPr>
+        <p:style>
+          <a:lnRef idx="1">
+            <a:schemeClr val="dk1"/>
+          </a:lnRef>
+          <a:fillRef idx="0">
+            <a:schemeClr val="dk1"/>
+          </a:fillRef>
+          <a:effectRef idx="0">
+            <a:schemeClr val="dk1"/>
+          </a:effectRef>
+          <a:fontRef idx="minor">
+            <a:schemeClr val="tx1"/>
+          </a:fontRef>
+        </p:style>
+      </p:cxnSp>
+      <p:cxnSp>
+        <p:nvCxnSpPr>
+          <p:cNvPr id="7" name="직선 화살표 연결선 6">
+            <a:extLst>
+              <a:ext uri="{FF2B5EF4-FFF2-40B4-BE49-F238E27FC236}">
+                <a16:creationId xmlns:a16="http://schemas.microsoft.com/office/drawing/2014/main" id="{9A9B5D22-81E7-6AAC-D261-1CD749A7794B}"/>
+              </a:ext>
+            </a:extLst>
+          </p:cNvPr>
+          <p:cNvCxnSpPr>
+            <a:cxnSpLocks/>
+            <a:stCxn id="3" idx="2"/>
+            <a:endCxn id="11" idx="0"/>
+          </p:cNvCxnSpPr>
+          <p:nvPr/>
+        </p:nvCxnSpPr>
+        <p:spPr>
+          <a:xfrm>
+            <a:off x="1810109" y="1751765"/>
+            <a:ext cx="1" cy="385909"/>
+          </a:xfrm>
+          <a:prstGeom prst="straightConnector1">
+            <a:avLst/>
+          </a:prstGeom>
+          <a:ln>
+            <a:tailEnd type="triangle"/>
+          </a:ln>
+        </p:spPr>
+        <p:style>
+          <a:lnRef idx="1">
+            <a:schemeClr val="dk1"/>
+          </a:lnRef>
+          <a:fillRef idx="0">
+            <a:schemeClr val="dk1"/>
+          </a:fillRef>
+          <a:effectRef idx="0">
+            <a:schemeClr val="dk1"/>
+          </a:effectRef>
+          <a:fontRef idx="minor">
+            <a:schemeClr val="tx1"/>
+          </a:fontRef>
+        </p:style>
+      </p:cxnSp>
+      <p:sp>
+        <p:nvSpPr>
+          <p:cNvPr id="11" name="직사각형 10">
+            <a:extLst>
+              <a:ext uri="{FF2B5EF4-FFF2-40B4-BE49-F238E27FC236}">
+                <a16:creationId xmlns:a16="http://schemas.microsoft.com/office/drawing/2014/main" id="{8A504186-586F-BCB8-A0CC-F51766EAB438}"/>
+              </a:ext>
+            </a:extLst>
+          </p:cNvPr>
+          <p:cNvSpPr/>
+          <p:nvPr/>
+        </p:nvSpPr>
+        <p:spPr>
+          <a:xfrm>
+            <a:off x="1233577" y="2137674"/>
+            <a:ext cx="1153065" cy="407118"/>
+          </a:xfrm>
+          <a:prstGeom prst="rect">
+            <a:avLst/>
+          </a:prstGeom>
+          <a:solidFill>
+            <a:schemeClr val="accent2">
+              <a:lumMod val="20000"/>
+              <a:lumOff val="80000"/>
+            </a:schemeClr>
+          </a:solidFill>
+          <a:ln w="19050">
+            <a:solidFill>
+              <a:schemeClr val="tx1"/>
+            </a:solidFill>
+          </a:ln>
+        </p:spPr>
+        <p:style>
+          <a:lnRef idx="2">
+            <a:schemeClr val="accent1">
+              <a:shade val="50000"/>
+            </a:schemeClr>
+          </a:lnRef>
+          <a:fillRef idx="1">
+            <a:schemeClr val="accent1"/>
+          </a:fillRef>
+          <a:effectRef idx="0">
+            <a:schemeClr val="accent1"/>
+          </a:effectRef>
+          <a:fontRef idx="minor">
+            <a:schemeClr val="lt1"/>
+          </a:fontRef>
+        </p:style>
+        <p:txBody>
+          <a:bodyPr rtlCol="0" anchor="ctr"/>
+          <a:lstStyle/>
+          <a:p>
+            <a:pPr algn="ctr"/>
+            <a:r>
+              <a:rPr lang="en-US" altLang="ko-KR" sz="1100" b="1">
+                <a:solidFill>
+                  <a:schemeClr val="tx1"/>
+                </a:solidFill>
+                <a:latin typeface="나눔고딕" panose="020D0604000000000000" pitchFamily="50" charset="-127"/>
+                <a:ea typeface="나눔고딕" panose="020D0604000000000000" pitchFamily="50" charset="-127"/>
+              </a:rPr>
+              <a:t>&lt;Player&gt;</a:t>
+            </a:r>
+          </a:p>
+          <a:p>
+            <a:pPr algn="ctr"/>
+            <a:r>
+              <a:rPr lang="en-US" altLang="ko-KR" sz="1100" b="1">
+                <a:solidFill>
+                  <a:schemeClr val="tx1"/>
+                </a:solidFill>
+                <a:latin typeface="나눔고딕" panose="020D0604000000000000" pitchFamily="50" charset="-127"/>
+                <a:ea typeface="나눔고딕" panose="020D0604000000000000" pitchFamily="50" charset="-127"/>
+              </a:rPr>
+              <a:t>handle_events</a:t>
+            </a:r>
+            <a:endParaRPr lang="ko-KR" altLang="en-US" sz="1100" b="1">
+              <a:solidFill>
+                <a:schemeClr val="tx1"/>
+              </a:solidFill>
+              <a:latin typeface="나눔고딕" panose="020D0604000000000000" pitchFamily="50" charset="-127"/>
+              <a:ea typeface="나눔고딕" panose="020D0604000000000000" pitchFamily="50" charset="-127"/>
+            </a:endParaRPr>
+          </a:p>
+        </p:txBody>
+      </p:sp>
+      <p:sp>
+        <p:nvSpPr>
+          <p:cNvPr id="13" name="다이아몬드 12">
+            <a:extLst>
+              <a:ext uri="{FF2B5EF4-FFF2-40B4-BE49-F238E27FC236}">
+                <a16:creationId xmlns:a16="http://schemas.microsoft.com/office/drawing/2014/main" id="{ED3AFAC7-3352-5A99-E1EF-45DE82320217}"/>
+              </a:ext>
+            </a:extLst>
+          </p:cNvPr>
+          <p:cNvSpPr/>
+          <p:nvPr/>
+        </p:nvSpPr>
+        <p:spPr>
+          <a:xfrm>
+            <a:off x="1099867" y="2951910"/>
+            <a:ext cx="1420481" cy="431320"/>
+          </a:xfrm>
+          <a:prstGeom prst="diamond">
+            <a:avLst/>
+          </a:prstGeom>
+          <a:solidFill>
+            <a:schemeClr val="accent6">
+              <a:lumMod val="40000"/>
+              <a:lumOff val="60000"/>
+            </a:schemeClr>
+          </a:solidFill>
+          <a:ln w="19050">
+            <a:solidFill>
+              <a:schemeClr val="tx1"/>
+            </a:solidFill>
+          </a:ln>
+        </p:spPr>
+        <p:style>
+          <a:lnRef idx="2">
+            <a:schemeClr val="accent1">
+              <a:shade val="50000"/>
+            </a:schemeClr>
+          </a:lnRef>
+          <a:fillRef idx="1">
+            <a:schemeClr val="accent1"/>
+          </a:fillRef>
+          <a:effectRef idx="0">
+            <a:schemeClr val="accent1"/>
+          </a:effectRef>
+          <a:fontRef idx="minor">
+            <a:schemeClr val="lt1"/>
+          </a:fontRef>
+        </p:style>
+        <p:txBody>
+          <a:bodyPr rtlCol="0" anchor="ctr"/>
+          <a:lstStyle/>
+          <a:p>
+            <a:pPr algn="ctr"/>
+            <a:r>
+              <a:rPr lang="en-US" altLang="ko-KR" sz="800">
+                <a:solidFill>
+                  <a:schemeClr val="tx1"/>
+                </a:solidFill>
+                <a:latin typeface="나눔고딕" panose="020D0604000000000000" pitchFamily="50" charset="-127"/>
+                <a:ea typeface="나눔고딕" panose="020D0604000000000000" pitchFamily="50" charset="-127"/>
+              </a:rPr>
+              <a:t>event.type</a:t>
+            </a:r>
+          </a:p>
+          <a:p>
+            <a:pPr algn="ctr"/>
+            <a:r>
+              <a:rPr lang="en-US" altLang="ko-KR" sz="800">
+                <a:solidFill>
+                  <a:schemeClr val="tx1"/>
+                </a:solidFill>
+                <a:latin typeface="나눔고딕" panose="020D0604000000000000" pitchFamily="50" charset="-127"/>
+                <a:ea typeface="나눔고딕" panose="020D0604000000000000" pitchFamily="50" charset="-127"/>
+              </a:rPr>
+              <a:t>event.key</a:t>
+            </a:r>
+            <a:endParaRPr lang="ko-KR" altLang="en-US" sz="800">
+              <a:solidFill>
+                <a:schemeClr val="tx1"/>
+              </a:solidFill>
+              <a:latin typeface="나눔고딕" panose="020D0604000000000000" pitchFamily="50" charset="-127"/>
+              <a:ea typeface="나눔고딕" panose="020D0604000000000000" pitchFamily="50" charset="-127"/>
+            </a:endParaRPr>
+          </a:p>
+        </p:txBody>
+      </p:sp>
+      <p:cxnSp>
+        <p:nvCxnSpPr>
+          <p:cNvPr id="14" name="직선 화살표 연결선 13">
+            <a:extLst>
+              <a:ext uri="{FF2B5EF4-FFF2-40B4-BE49-F238E27FC236}">
+                <a16:creationId xmlns:a16="http://schemas.microsoft.com/office/drawing/2014/main" id="{DB631C35-E619-1667-661E-9BE4B050D6CB}"/>
+              </a:ext>
+            </a:extLst>
+          </p:cNvPr>
+          <p:cNvCxnSpPr>
+            <a:cxnSpLocks/>
+          </p:cNvCxnSpPr>
+          <p:nvPr/>
+        </p:nvCxnSpPr>
+        <p:spPr>
+          <a:xfrm>
+            <a:off x="1810108" y="2544792"/>
+            <a:ext cx="1" cy="385909"/>
+          </a:xfrm>
+          <a:prstGeom prst="straightConnector1">
+            <a:avLst/>
+          </a:prstGeom>
+          <a:ln>
+            <a:tailEnd type="triangle"/>
+          </a:ln>
+        </p:spPr>
+        <p:style>
+          <a:lnRef idx="1">
+            <a:schemeClr val="dk1"/>
+          </a:lnRef>
+          <a:fillRef idx="0">
+            <a:schemeClr val="dk1"/>
+          </a:fillRef>
+          <a:effectRef idx="0">
+            <a:schemeClr val="dk1"/>
+          </a:effectRef>
+          <a:fontRef idx="minor">
+            <a:schemeClr val="tx1"/>
+          </a:fontRef>
+        </p:style>
+      </p:cxnSp>
+      <p:cxnSp>
+        <p:nvCxnSpPr>
+          <p:cNvPr id="15" name="직선 화살표 연결선 14">
+            <a:extLst>
+              <a:ext uri="{FF2B5EF4-FFF2-40B4-BE49-F238E27FC236}">
+                <a16:creationId xmlns:a16="http://schemas.microsoft.com/office/drawing/2014/main" id="{C08A7F26-85DF-5921-E029-573604A7208C}"/>
+              </a:ext>
+            </a:extLst>
+          </p:cNvPr>
+          <p:cNvCxnSpPr>
+            <a:cxnSpLocks/>
+          </p:cNvCxnSpPr>
+          <p:nvPr/>
+        </p:nvCxnSpPr>
+        <p:spPr>
+          <a:xfrm>
+            <a:off x="1810106" y="3361418"/>
+            <a:ext cx="1" cy="385909"/>
+          </a:xfrm>
+          <a:prstGeom prst="straightConnector1">
+            <a:avLst/>
+          </a:prstGeom>
+          <a:ln>
+            <a:tailEnd type="triangle"/>
+          </a:ln>
+        </p:spPr>
+        <p:style>
+          <a:lnRef idx="1">
+            <a:schemeClr val="dk1"/>
+          </a:lnRef>
+          <a:fillRef idx="0">
+            <a:schemeClr val="dk1"/>
+          </a:fillRef>
+          <a:effectRef idx="0">
+            <a:schemeClr val="dk1"/>
+          </a:effectRef>
+          <a:fontRef idx="minor">
+            <a:schemeClr val="tx1"/>
+          </a:fontRef>
+        </p:style>
+      </p:cxnSp>
+      <p:sp>
+        <p:nvSpPr>
+          <p:cNvPr id="16" name="직사각형 15">
+            <a:extLst>
+              <a:ext uri="{FF2B5EF4-FFF2-40B4-BE49-F238E27FC236}">
+                <a16:creationId xmlns:a16="http://schemas.microsoft.com/office/drawing/2014/main" id="{446F98E1-FA3D-2C98-E82F-AF44292C617D}"/>
+              </a:ext>
+            </a:extLst>
+          </p:cNvPr>
+          <p:cNvSpPr/>
+          <p:nvPr/>
+        </p:nvSpPr>
+        <p:spPr>
+          <a:xfrm>
+            <a:off x="1233577" y="3780940"/>
+            <a:ext cx="1153065" cy="407118"/>
+          </a:xfrm>
+          <a:prstGeom prst="rect">
+            <a:avLst/>
+          </a:prstGeom>
+          <a:solidFill>
+            <a:schemeClr val="accent2">
+              <a:lumMod val="20000"/>
+              <a:lumOff val="80000"/>
+            </a:schemeClr>
+          </a:solidFill>
+          <a:ln w="19050">
+            <a:solidFill>
+              <a:schemeClr val="tx1"/>
+            </a:solidFill>
+          </a:ln>
+        </p:spPr>
+        <p:style>
+          <a:lnRef idx="2">
+            <a:schemeClr val="accent1">
+              <a:shade val="50000"/>
+            </a:schemeClr>
+          </a:lnRef>
+          <a:fillRef idx="1">
+            <a:schemeClr val="accent1"/>
+          </a:fillRef>
+          <a:effectRef idx="0">
+            <a:schemeClr val="accent1"/>
+          </a:effectRef>
+          <a:fontRef idx="minor">
+            <a:schemeClr val="lt1"/>
+          </a:fontRef>
+        </p:style>
+        <p:txBody>
+          <a:bodyPr rtlCol="0" anchor="ctr"/>
+          <a:lstStyle/>
+          <a:p>
+            <a:pPr algn="ctr"/>
+            <a:r>
+              <a:rPr lang="en-US" altLang="ko-KR" sz="1100" b="1">
+                <a:solidFill>
+                  <a:schemeClr val="tx1"/>
+                </a:solidFill>
+                <a:latin typeface="나눔고딕" panose="020D0604000000000000" pitchFamily="50" charset="-127"/>
+                <a:ea typeface="나눔고딕" panose="020D0604000000000000" pitchFamily="50" charset="-127"/>
+              </a:rPr>
+              <a:t>&lt;Player&gt;</a:t>
+            </a:r>
+          </a:p>
+          <a:p>
+            <a:pPr algn="ctr"/>
+            <a:r>
+              <a:rPr lang="en-US" altLang="ko-KR" sz="1100" b="1">
+                <a:solidFill>
+                  <a:schemeClr val="tx1"/>
+                </a:solidFill>
+                <a:latin typeface="나눔고딕" panose="020D0604000000000000" pitchFamily="50" charset="-127"/>
+                <a:ea typeface="나눔고딕" panose="020D0604000000000000" pitchFamily="50" charset="-127"/>
+              </a:rPr>
+              <a:t>event.que</a:t>
+            </a:r>
+            <a:endParaRPr lang="ko-KR" altLang="en-US" sz="1100" b="1">
+              <a:solidFill>
+                <a:schemeClr val="tx1"/>
+              </a:solidFill>
+              <a:latin typeface="나눔고딕" panose="020D0604000000000000" pitchFamily="50" charset="-127"/>
+              <a:ea typeface="나눔고딕" panose="020D0604000000000000" pitchFamily="50" charset="-127"/>
+            </a:endParaRPr>
+          </a:p>
+        </p:txBody>
+      </p:sp>
+      <p:cxnSp>
+        <p:nvCxnSpPr>
+          <p:cNvPr id="18" name="직선 화살표 연결선 17">
+            <a:extLst>
+              <a:ext uri="{FF2B5EF4-FFF2-40B4-BE49-F238E27FC236}">
+                <a16:creationId xmlns:a16="http://schemas.microsoft.com/office/drawing/2014/main" id="{EFA1E88C-71C4-6570-3F51-2277BC68D4A0}"/>
+              </a:ext>
+            </a:extLst>
+          </p:cNvPr>
+          <p:cNvCxnSpPr>
+            <a:stCxn id="16" idx="3"/>
+          </p:cNvCxnSpPr>
+          <p:nvPr/>
+        </p:nvCxnSpPr>
+        <p:spPr>
+          <a:xfrm flipV="1">
+            <a:off x="2386642" y="755650"/>
+            <a:ext cx="1158815" cy="3228849"/>
+          </a:xfrm>
+          <a:prstGeom prst="straightConnector1">
+            <a:avLst/>
+          </a:prstGeom>
+          <a:ln>
+            <a:solidFill>
+              <a:srgbClr val="FF0000"/>
+            </a:solidFill>
+            <a:tailEnd type="triangle"/>
+          </a:ln>
+        </p:spPr>
+        <p:style>
+          <a:lnRef idx="1">
+            <a:schemeClr val="accent1"/>
+          </a:lnRef>
+          <a:fillRef idx="0">
+            <a:schemeClr val="accent1"/>
+          </a:fillRef>
+          <a:effectRef idx="0">
+            <a:schemeClr val="accent1"/>
+          </a:effectRef>
+          <a:fontRef idx="minor">
+            <a:schemeClr val="tx1"/>
+          </a:fontRef>
+        </p:style>
+      </p:cxnSp>
+      <p:sp>
+        <p:nvSpPr>
+          <p:cNvPr id="19" name="직사각형 18">
+            <a:extLst>
+              <a:ext uri="{FF2B5EF4-FFF2-40B4-BE49-F238E27FC236}">
+                <a16:creationId xmlns:a16="http://schemas.microsoft.com/office/drawing/2014/main" id="{A5241D85-449A-B6C5-16FB-DEAEAC2D5000}"/>
+              </a:ext>
+            </a:extLst>
+          </p:cNvPr>
+          <p:cNvSpPr/>
+          <p:nvPr/>
+        </p:nvSpPr>
+        <p:spPr>
+          <a:xfrm>
+            <a:off x="3585280" y="250982"/>
+            <a:ext cx="1153065" cy="407118"/>
+          </a:xfrm>
+          <a:prstGeom prst="rect">
+            <a:avLst/>
+          </a:prstGeom>
+          <a:solidFill>
+            <a:schemeClr val="accent2">
+              <a:lumMod val="20000"/>
+              <a:lumOff val="80000"/>
+            </a:schemeClr>
+          </a:solidFill>
+          <a:ln w="19050">
+            <a:solidFill>
+              <a:schemeClr val="tx1"/>
+            </a:solidFill>
+          </a:ln>
+        </p:spPr>
+        <p:style>
+          <a:lnRef idx="2">
+            <a:schemeClr val="accent1">
+              <a:shade val="50000"/>
+            </a:schemeClr>
+          </a:lnRef>
+          <a:fillRef idx="1">
+            <a:schemeClr val="accent1"/>
+          </a:fillRef>
+          <a:effectRef idx="0">
+            <a:schemeClr val="accent1"/>
+          </a:effectRef>
+          <a:fontRef idx="minor">
+            <a:schemeClr val="lt1"/>
+          </a:fontRef>
+        </p:style>
+        <p:txBody>
+          <a:bodyPr rtlCol="0" anchor="ctr"/>
+          <a:lstStyle/>
+          <a:p>
+            <a:pPr algn="ctr"/>
+            <a:r>
+              <a:rPr lang="en-US" altLang="ko-KR" sz="1100" b="1">
+                <a:solidFill>
+                  <a:schemeClr val="tx1"/>
+                </a:solidFill>
+                <a:latin typeface="나눔고딕" panose="020D0604000000000000" pitchFamily="50" charset="-127"/>
+                <a:ea typeface="나눔고딕" panose="020D0604000000000000" pitchFamily="50" charset="-127"/>
+              </a:rPr>
+              <a:t>&lt;play_state&gt;</a:t>
+            </a:r>
+          </a:p>
+          <a:p>
+            <a:pPr algn="ctr"/>
+            <a:r>
+              <a:rPr lang="en-US" altLang="ko-KR" sz="1100" b="1">
+                <a:solidFill>
+                  <a:schemeClr val="tx1"/>
+                </a:solidFill>
+                <a:latin typeface="나눔고딕" panose="020D0604000000000000" pitchFamily="50" charset="-127"/>
+                <a:ea typeface="나눔고딕" panose="020D0604000000000000" pitchFamily="50" charset="-127"/>
+              </a:rPr>
+              <a:t>update</a:t>
+            </a:r>
+            <a:endParaRPr lang="ko-KR" altLang="en-US" sz="1100" b="1">
+              <a:solidFill>
+                <a:schemeClr val="tx1"/>
+              </a:solidFill>
+              <a:latin typeface="나눔고딕" panose="020D0604000000000000" pitchFamily="50" charset="-127"/>
+              <a:ea typeface="나눔고딕" panose="020D0604000000000000" pitchFamily="50" charset="-127"/>
+            </a:endParaRPr>
+          </a:p>
+        </p:txBody>
+      </p:sp>
+      <p:cxnSp>
+        <p:nvCxnSpPr>
+          <p:cNvPr id="20" name="직선 화살표 연결선 19">
+            <a:extLst>
+              <a:ext uri="{FF2B5EF4-FFF2-40B4-BE49-F238E27FC236}">
+                <a16:creationId xmlns:a16="http://schemas.microsoft.com/office/drawing/2014/main" id="{2340CF91-38EE-7FD1-8350-CA78B632414E}"/>
+              </a:ext>
+            </a:extLst>
+          </p:cNvPr>
+          <p:cNvCxnSpPr>
+            <a:cxnSpLocks/>
+          </p:cNvCxnSpPr>
+          <p:nvPr/>
+        </p:nvCxnSpPr>
+        <p:spPr>
+          <a:xfrm flipH="1">
+            <a:off x="4161812" y="658100"/>
+            <a:ext cx="1" cy="361236"/>
+          </a:xfrm>
+          <a:prstGeom prst="straightConnector1">
+            <a:avLst/>
+          </a:prstGeom>
+          <a:ln>
+            <a:tailEnd type="triangle"/>
+          </a:ln>
+        </p:spPr>
+        <p:style>
+          <a:lnRef idx="1">
+            <a:schemeClr val="dk1"/>
+          </a:lnRef>
+          <a:fillRef idx="0">
+            <a:schemeClr val="dk1"/>
+          </a:fillRef>
+          <a:effectRef idx="0">
+            <a:schemeClr val="dk1"/>
+          </a:effectRef>
+          <a:fontRef idx="minor">
+            <a:schemeClr val="tx1"/>
+          </a:fontRef>
+        </p:style>
+      </p:cxnSp>
+      <p:sp>
+        <p:nvSpPr>
+          <p:cNvPr id="21" name="직사각형 20">
+            <a:extLst>
+              <a:ext uri="{FF2B5EF4-FFF2-40B4-BE49-F238E27FC236}">
+                <a16:creationId xmlns:a16="http://schemas.microsoft.com/office/drawing/2014/main" id="{1B3D97CF-EB99-ADC8-703B-0B5729AC022B}"/>
+              </a:ext>
+            </a:extLst>
+          </p:cNvPr>
+          <p:cNvSpPr/>
+          <p:nvPr/>
+        </p:nvSpPr>
+        <p:spPr>
+          <a:xfrm>
+            <a:off x="3585279" y="1019336"/>
+            <a:ext cx="1153065" cy="407118"/>
+          </a:xfrm>
+          <a:prstGeom prst="rect">
+            <a:avLst/>
+          </a:prstGeom>
+          <a:solidFill>
+            <a:schemeClr val="accent2">
+              <a:lumMod val="20000"/>
+              <a:lumOff val="80000"/>
+            </a:schemeClr>
+          </a:solidFill>
+          <a:ln w="19050">
+            <a:solidFill>
+              <a:schemeClr val="tx1"/>
+            </a:solidFill>
+          </a:ln>
+        </p:spPr>
+        <p:style>
+          <a:lnRef idx="2">
+            <a:schemeClr val="accent1">
+              <a:shade val="50000"/>
+            </a:schemeClr>
+          </a:lnRef>
+          <a:fillRef idx="1">
+            <a:schemeClr val="accent1"/>
+          </a:fillRef>
+          <a:effectRef idx="0">
+            <a:schemeClr val="accent1"/>
+          </a:effectRef>
+          <a:fontRef idx="minor">
+            <a:schemeClr val="lt1"/>
+          </a:fontRef>
+        </p:style>
+        <p:txBody>
+          <a:bodyPr rtlCol="0" anchor="ctr"/>
+          <a:lstStyle/>
+          <a:p>
+            <a:pPr algn="ctr"/>
+            <a:r>
+              <a:rPr lang="en-US" altLang="ko-KR" sz="1100" b="1">
+                <a:solidFill>
+                  <a:schemeClr val="tx1"/>
+                </a:solidFill>
+                <a:latin typeface="나눔고딕" panose="020D0604000000000000" pitchFamily="50" charset="-127"/>
+                <a:ea typeface="나눔고딕" panose="020D0604000000000000" pitchFamily="50" charset="-127"/>
+              </a:rPr>
+              <a:t>&lt;Player&gt;</a:t>
+            </a:r>
+          </a:p>
+          <a:p>
+            <a:pPr algn="ctr"/>
+            <a:r>
+              <a:rPr lang="en-US" altLang="ko-KR" sz="1100" b="1">
+                <a:solidFill>
+                  <a:schemeClr val="tx1"/>
+                </a:solidFill>
+                <a:latin typeface="나눔고딕" panose="020D0604000000000000" pitchFamily="50" charset="-127"/>
+                <a:ea typeface="나눔고딕" panose="020D0604000000000000" pitchFamily="50" charset="-127"/>
+              </a:rPr>
+              <a:t>update</a:t>
+            </a:r>
+            <a:endParaRPr lang="ko-KR" altLang="en-US" sz="1100" b="1">
+              <a:solidFill>
+                <a:schemeClr val="tx1"/>
+              </a:solidFill>
+              <a:latin typeface="나눔고딕" panose="020D0604000000000000" pitchFamily="50" charset="-127"/>
+              <a:ea typeface="나눔고딕" panose="020D0604000000000000" pitchFamily="50" charset="-127"/>
+            </a:endParaRPr>
+          </a:p>
+        </p:txBody>
+      </p:sp>
+      <p:cxnSp>
+        <p:nvCxnSpPr>
+          <p:cNvPr id="22" name="직선 화살표 연결선 21">
+            <a:extLst>
+              <a:ext uri="{FF2B5EF4-FFF2-40B4-BE49-F238E27FC236}">
+                <a16:creationId xmlns:a16="http://schemas.microsoft.com/office/drawing/2014/main" id="{98B4C18F-0A1D-83B2-4983-0CE5C76C36C4}"/>
+              </a:ext>
+            </a:extLst>
+          </p:cNvPr>
+          <p:cNvCxnSpPr>
+            <a:cxnSpLocks/>
+          </p:cNvCxnSpPr>
+          <p:nvPr/>
+        </p:nvCxnSpPr>
+        <p:spPr>
+          <a:xfrm flipH="1">
+            <a:off x="4161812" y="1417358"/>
+            <a:ext cx="1" cy="361236"/>
+          </a:xfrm>
+          <a:prstGeom prst="straightConnector1">
+            <a:avLst/>
+          </a:prstGeom>
+          <a:ln>
+            <a:tailEnd type="triangle"/>
+          </a:ln>
+        </p:spPr>
+        <p:style>
+          <a:lnRef idx="1">
+            <a:schemeClr val="dk1"/>
+          </a:lnRef>
+          <a:fillRef idx="0">
+            <a:schemeClr val="dk1"/>
+          </a:fillRef>
+          <a:effectRef idx="0">
+            <a:schemeClr val="dk1"/>
+          </a:effectRef>
+          <a:fontRef idx="minor">
+            <a:schemeClr val="tx1"/>
+          </a:fontRef>
+        </p:style>
+      </p:cxnSp>
+      <p:sp>
+        <p:nvSpPr>
+          <p:cNvPr id="23" name="직사각형 22">
+            <a:extLst>
+              <a:ext uri="{FF2B5EF4-FFF2-40B4-BE49-F238E27FC236}">
+                <a16:creationId xmlns:a16="http://schemas.microsoft.com/office/drawing/2014/main" id="{C4E29555-B92F-BBDA-AF7B-4B2B93AFAED7}"/>
+              </a:ext>
+            </a:extLst>
+          </p:cNvPr>
+          <p:cNvSpPr/>
+          <p:nvPr/>
+        </p:nvSpPr>
+        <p:spPr>
+          <a:xfrm>
+            <a:off x="3585279" y="1778594"/>
+            <a:ext cx="1153065" cy="407118"/>
+          </a:xfrm>
+          <a:prstGeom prst="rect">
+            <a:avLst/>
+          </a:prstGeom>
+          <a:solidFill>
+            <a:schemeClr val="accent2">
+              <a:lumMod val="20000"/>
+              <a:lumOff val="80000"/>
+            </a:schemeClr>
+          </a:solidFill>
+          <a:ln w="19050">
+            <a:solidFill>
+              <a:schemeClr val="tx1"/>
+            </a:solidFill>
+          </a:ln>
+        </p:spPr>
+        <p:style>
+          <a:lnRef idx="2">
+            <a:schemeClr val="accent1">
+              <a:shade val="50000"/>
+            </a:schemeClr>
+          </a:lnRef>
+          <a:fillRef idx="1">
+            <a:schemeClr val="accent1"/>
+          </a:fillRef>
+          <a:effectRef idx="0">
+            <a:schemeClr val="accent1"/>
+          </a:effectRef>
+          <a:fontRef idx="minor">
+            <a:schemeClr val="lt1"/>
+          </a:fontRef>
+        </p:style>
+        <p:txBody>
+          <a:bodyPr rtlCol="0" anchor="ctr"/>
+          <a:lstStyle/>
+          <a:p>
+            <a:pPr algn="ctr"/>
+            <a:r>
+              <a:rPr lang="en-US" altLang="ko-KR" sz="1100" b="1">
+                <a:solidFill>
+                  <a:schemeClr val="tx1"/>
+                </a:solidFill>
+                <a:latin typeface="나눔고딕" panose="020D0604000000000000" pitchFamily="50" charset="-127"/>
+                <a:ea typeface="나눔고딕" panose="020D0604000000000000" pitchFamily="50" charset="-127"/>
+              </a:rPr>
+              <a:t>&lt;Player&gt;</a:t>
+            </a:r>
+          </a:p>
+          <a:p>
+            <a:pPr algn="ctr"/>
+            <a:r>
+              <a:rPr lang="en-US" altLang="ko-KR" sz="1100" b="1">
+                <a:solidFill>
+                  <a:schemeClr val="tx1"/>
+                </a:solidFill>
+                <a:latin typeface="나눔고딕" panose="020D0604000000000000" pitchFamily="50" charset="-127"/>
+                <a:ea typeface="나눔고딕" panose="020D0604000000000000" pitchFamily="50" charset="-127"/>
+              </a:rPr>
+              <a:t>draw</a:t>
+            </a:r>
+            <a:endParaRPr lang="ko-KR" altLang="en-US" sz="1100" b="1">
+              <a:solidFill>
+                <a:schemeClr val="tx1"/>
+              </a:solidFill>
+              <a:latin typeface="나눔고딕" panose="020D0604000000000000" pitchFamily="50" charset="-127"/>
+              <a:ea typeface="나눔고딕" panose="020D0604000000000000" pitchFamily="50" charset="-127"/>
+            </a:endParaRPr>
+          </a:p>
+        </p:txBody>
+      </p:sp>
+      <p:cxnSp>
+        <p:nvCxnSpPr>
+          <p:cNvPr id="25" name="직선 화살표 연결선 24">
+            <a:extLst>
+              <a:ext uri="{FF2B5EF4-FFF2-40B4-BE49-F238E27FC236}">
+                <a16:creationId xmlns:a16="http://schemas.microsoft.com/office/drawing/2014/main" id="{16D8AADD-4B45-BBF3-EA4F-4936B18D53E8}"/>
+              </a:ext>
+            </a:extLst>
+          </p:cNvPr>
+          <p:cNvCxnSpPr>
+            <a:cxnSpLocks/>
+          </p:cNvCxnSpPr>
+          <p:nvPr/>
+        </p:nvCxnSpPr>
+        <p:spPr>
+          <a:xfrm flipH="1">
+            <a:off x="4161811" y="2176616"/>
+            <a:ext cx="1" cy="361236"/>
+          </a:xfrm>
+          <a:prstGeom prst="straightConnector1">
+            <a:avLst/>
+          </a:prstGeom>
+          <a:ln>
+            <a:tailEnd type="triangle"/>
+          </a:ln>
+        </p:spPr>
+        <p:style>
+          <a:lnRef idx="1">
+            <a:schemeClr val="dk1"/>
+          </a:lnRef>
+          <a:fillRef idx="0">
+            <a:schemeClr val="dk1"/>
+          </a:fillRef>
+          <a:effectRef idx="0">
+            <a:schemeClr val="dk1"/>
+          </a:effectRef>
+          <a:fontRef idx="minor">
+            <a:schemeClr val="tx1"/>
+          </a:fontRef>
+        </p:style>
+      </p:cxnSp>
+      <p:sp>
+        <p:nvSpPr>
+          <p:cNvPr id="26" name="다이아몬드 25">
+            <a:extLst>
+              <a:ext uri="{FF2B5EF4-FFF2-40B4-BE49-F238E27FC236}">
+                <a16:creationId xmlns:a16="http://schemas.microsoft.com/office/drawing/2014/main" id="{7D277EA5-1D9D-3542-4633-8BEDA937E613}"/>
+              </a:ext>
+            </a:extLst>
+          </p:cNvPr>
+          <p:cNvSpPr/>
+          <p:nvPr/>
+        </p:nvSpPr>
+        <p:spPr>
+          <a:xfrm>
+            <a:off x="3545457" y="2838961"/>
+            <a:ext cx="1250830" cy="431320"/>
+          </a:xfrm>
+          <a:prstGeom prst="diamond">
+            <a:avLst/>
+          </a:prstGeom>
+          <a:solidFill>
+            <a:schemeClr val="accent6">
+              <a:lumMod val="40000"/>
+              <a:lumOff val="60000"/>
+            </a:schemeClr>
+          </a:solidFill>
+          <a:ln w="19050">
+            <a:solidFill>
+              <a:schemeClr val="tx1"/>
+            </a:solidFill>
+          </a:ln>
+        </p:spPr>
+        <p:style>
+          <a:lnRef idx="2">
+            <a:schemeClr val="accent1">
+              <a:shade val="50000"/>
+            </a:schemeClr>
+          </a:lnRef>
+          <a:fillRef idx="1">
+            <a:schemeClr val="accent1"/>
+          </a:fillRef>
+          <a:effectRef idx="0">
+            <a:schemeClr val="accent1"/>
+          </a:effectRef>
+          <a:fontRef idx="minor">
+            <a:schemeClr val="lt1"/>
+          </a:fontRef>
+        </p:style>
+        <p:txBody>
+          <a:bodyPr wrap="none" rtlCol="0" anchor="ctr"/>
+          <a:lstStyle/>
+          <a:p>
+            <a:pPr algn="ctr"/>
+            <a:r>
+              <a:rPr lang="ko-KR" altLang="en-US" sz="800">
+                <a:solidFill>
+                  <a:schemeClr val="tx1"/>
+                </a:solidFill>
+                <a:latin typeface="나눔고딕" panose="020D0604000000000000" pitchFamily="50" charset="-127"/>
+                <a:ea typeface="나눔고딕" panose="020D0604000000000000" pitchFamily="50" charset="-127"/>
+              </a:rPr>
+              <a:t>이벤트 감지</a:t>
+            </a:r>
+          </a:p>
+        </p:txBody>
+      </p:sp>
+      <p:cxnSp>
+        <p:nvCxnSpPr>
+          <p:cNvPr id="27" name="직선 화살표 연결선 26">
+            <a:extLst>
+              <a:ext uri="{FF2B5EF4-FFF2-40B4-BE49-F238E27FC236}">
+                <a16:creationId xmlns:a16="http://schemas.microsoft.com/office/drawing/2014/main" id="{DFB39AEE-6530-9D58-BB14-E11F0979CD14}"/>
+              </a:ext>
+            </a:extLst>
+          </p:cNvPr>
+          <p:cNvCxnSpPr>
+            <a:cxnSpLocks/>
+          </p:cNvCxnSpPr>
+          <p:nvPr/>
+        </p:nvCxnSpPr>
+        <p:spPr>
+          <a:xfrm flipH="1">
+            <a:off x="4170871" y="3270281"/>
+            <a:ext cx="1" cy="361236"/>
+          </a:xfrm>
+          <a:prstGeom prst="straightConnector1">
+            <a:avLst/>
+          </a:prstGeom>
+          <a:ln>
+            <a:tailEnd type="triangle"/>
+          </a:ln>
+        </p:spPr>
+        <p:style>
+          <a:lnRef idx="1">
+            <a:schemeClr val="dk1"/>
+          </a:lnRef>
+          <a:fillRef idx="0">
+            <a:schemeClr val="dk1"/>
+          </a:fillRef>
+          <a:effectRef idx="0">
+            <a:schemeClr val="dk1"/>
+          </a:effectRef>
+          <a:fontRef idx="minor">
+            <a:schemeClr val="tx1"/>
+          </a:fontRef>
+        </p:style>
+      </p:cxnSp>
+      <p:sp>
+        <p:nvSpPr>
+          <p:cNvPr id="28" name="직사각형 27">
+            <a:extLst>
+              <a:ext uri="{FF2B5EF4-FFF2-40B4-BE49-F238E27FC236}">
+                <a16:creationId xmlns:a16="http://schemas.microsoft.com/office/drawing/2014/main" id="{9FE228A6-77B2-260E-83F2-1FFD9EDE053C}"/>
+              </a:ext>
+            </a:extLst>
+          </p:cNvPr>
+          <p:cNvSpPr/>
+          <p:nvPr/>
+        </p:nvSpPr>
+        <p:spPr>
+          <a:xfrm>
+            <a:off x="3554449" y="3630007"/>
+            <a:ext cx="1192955" cy="600164"/>
+          </a:xfrm>
+          <a:prstGeom prst="rect">
+            <a:avLst/>
+          </a:prstGeom>
+          <a:solidFill>
+            <a:schemeClr val="accent2">
+              <a:lumMod val="20000"/>
+              <a:lumOff val="80000"/>
+            </a:schemeClr>
+          </a:solidFill>
+          <a:ln w="19050">
+            <a:solidFill>
+              <a:schemeClr val="tx1"/>
+            </a:solidFill>
+          </a:ln>
+        </p:spPr>
+        <p:style>
+          <a:lnRef idx="2">
+            <a:schemeClr val="accent1">
+              <a:shade val="50000"/>
+            </a:schemeClr>
+          </a:lnRef>
+          <a:fillRef idx="1">
+            <a:schemeClr val="accent1"/>
+          </a:fillRef>
+          <a:effectRef idx="0">
+            <a:schemeClr val="accent1"/>
+          </a:effectRef>
+          <a:fontRef idx="minor">
+            <a:schemeClr val="lt1"/>
+          </a:fontRef>
+        </p:style>
+        <p:txBody>
+          <a:bodyPr wrap="none" rtlCol="0" anchor="ctr">
+            <a:spAutoFit/>
+          </a:bodyPr>
+          <a:lstStyle/>
+          <a:p>
+            <a:pPr algn="ctr"/>
+            <a:r>
+              <a:rPr lang="en-US" altLang="ko-KR" sz="1100" b="1">
+                <a:solidFill>
+                  <a:schemeClr val="tx1"/>
+                </a:solidFill>
+                <a:latin typeface="나눔고딕" panose="020D0604000000000000" pitchFamily="50" charset="-127"/>
+                <a:ea typeface="나눔고딕" panose="020D0604000000000000" pitchFamily="50" charset="-127"/>
+              </a:rPr>
+              <a:t>&lt;Player&gt;</a:t>
+            </a:r>
+          </a:p>
+          <a:p>
+            <a:pPr algn="ctr"/>
+            <a:r>
+              <a:rPr lang="en-US" altLang="ko-KR" sz="1100" b="1">
+                <a:solidFill>
+                  <a:schemeClr val="tx1"/>
+                </a:solidFill>
+                <a:latin typeface="나눔고딕" panose="020D0604000000000000" pitchFamily="50" charset="-127"/>
+                <a:ea typeface="나눔고딕" panose="020D0604000000000000" pitchFamily="50" charset="-127"/>
+              </a:rPr>
+              <a:t>&lt;update&gt;</a:t>
+            </a:r>
+          </a:p>
+          <a:p>
+            <a:pPr algn="ctr"/>
+            <a:r>
+              <a:rPr lang="en-US" altLang="ko-KR" sz="1100" b="1">
+                <a:solidFill>
+                  <a:schemeClr val="tx1"/>
+                </a:solidFill>
+                <a:latin typeface="나눔고딕" panose="020D0604000000000000" pitchFamily="50" charset="-127"/>
+                <a:ea typeface="나눔고딕" panose="020D0604000000000000" pitchFamily="50" charset="-127"/>
+              </a:rPr>
+              <a:t>Cur_state.enter</a:t>
+            </a:r>
+            <a:endParaRPr lang="ko-KR" altLang="en-US" sz="1100" b="1">
+              <a:solidFill>
+                <a:schemeClr val="tx1"/>
+              </a:solidFill>
+              <a:latin typeface="나눔고딕" panose="020D0604000000000000" pitchFamily="50" charset="-127"/>
+              <a:ea typeface="나눔고딕" panose="020D0604000000000000" pitchFamily="50" charset="-127"/>
+            </a:endParaRPr>
+          </a:p>
+        </p:txBody>
+      </p:sp>
+      <p:cxnSp>
+        <p:nvCxnSpPr>
+          <p:cNvPr id="29" name="직선 화살표 연결선 28">
+            <a:extLst>
+              <a:ext uri="{FF2B5EF4-FFF2-40B4-BE49-F238E27FC236}">
+                <a16:creationId xmlns:a16="http://schemas.microsoft.com/office/drawing/2014/main" id="{4376D1D1-6748-DB23-F5C6-36100C5FBEF8}"/>
+              </a:ext>
+            </a:extLst>
+          </p:cNvPr>
+          <p:cNvCxnSpPr/>
+          <p:nvPr/>
+        </p:nvCxnSpPr>
+        <p:spPr>
+          <a:xfrm flipV="1">
+            <a:off x="4747336" y="755650"/>
+            <a:ext cx="1158815" cy="3228849"/>
+          </a:xfrm>
+          <a:prstGeom prst="straightConnector1">
+            <a:avLst/>
+          </a:prstGeom>
+          <a:ln>
+            <a:solidFill>
+              <a:srgbClr val="FF0000"/>
+            </a:solidFill>
+            <a:tailEnd type="triangle"/>
+          </a:ln>
+        </p:spPr>
+        <p:style>
+          <a:lnRef idx="1">
+            <a:schemeClr val="accent1"/>
+          </a:lnRef>
+          <a:fillRef idx="0">
+            <a:schemeClr val="accent1"/>
+          </a:fillRef>
+          <a:effectRef idx="0">
+            <a:schemeClr val="accent1"/>
+          </a:effectRef>
+          <a:fontRef idx="minor">
+            <a:schemeClr val="tx1"/>
+          </a:fontRef>
+        </p:style>
+      </p:cxnSp>
+      <p:sp>
+        <p:nvSpPr>
+          <p:cNvPr id="34" name="직사각형 33">
+            <a:extLst>
+              <a:ext uri="{FF2B5EF4-FFF2-40B4-BE49-F238E27FC236}">
+                <a16:creationId xmlns:a16="http://schemas.microsoft.com/office/drawing/2014/main" id="{96EFBDE0-21C9-0CD5-E1CD-7849C9F0D0D9}"/>
+              </a:ext>
+            </a:extLst>
+          </p:cNvPr>
+          <p:cNvSpPr/>
+          <p:nvPr/>
+        </p:nvSpPr>
+        <p:spPr>
+          <a:xfrm>
+            <a:off x="5981756" y="528322"/>
+            <a:ext cx="1292341" cy="430887"/>
+          </a:xfrm>
+          <a:prstGeom prst="rect">
+            <a:avLst/>
+          </a:prstGeom>
+          <a:solidFill>
+            <a:schemeClr val="accent2">
+              <a:lumMod val="20000"/>
+              <a:lumOff val="80000"/>
+            </a:schemeClr>
+          </a:solidFill>
+          <a:ln w="19050">
+            <a:solidFill>
+              <a:schemeClr val="tx1"/>
+            </a:solidFill>
+          </a:ln>
+        </p:spPr>
+        <p:style>
+          <a:lnRef idx="2">
+            <a:schemeClr val="accent1">
+              <a:shade val="50000"/>
+            </a:schemeClr>
+          </a:lnRef>
+          <a:fillRef idx="1">
+            <a:schemeClr val="accent1"/>
+          </a:fillRef>
+          <a:effectRef idx="0">
+            <a:schemeClr val="accent1"/>
+          </a:effectRef>
+          <a:fontRef idx="minor">
+            <a:schemeClr val="lt1"/>
+          </a:fontRef>
+        </p:style>
+        <p:txBody>
+          <a:bodyPr wrap="none" rtlCol="0" anchor="ctr">
+            <a:spAutoFit/>
+          </a:bodyPr>
+          <a:lstStyle/>
+          <a:p>
+            <a:pPr algn="ctr"/>
+            <a:r>
+              <a:rPr lang="en-US" altLang="ko-KR" sz="1100" b="1">
+                <a:solidFill>
+                  <a:schemeClr val="tx1"/>
+                </a:solidFill>
+                <a:latin typeface="나눔고딕" panose="020D0604000000000000" pitchFamily="50" charset="-127"/>
+                <a:ea typeface="나눔고딕" panose="020D0604000000000000" pitchFamily="50" charset="-127"/>
+              </a:rPr>
+              <a:t>&lt;RUN&gt;</a:t>
+            </a:r>
+          </a:p>
+          <a:p>
+            <a:pPr algn="ctr"/>
+            <a:r>
+              <a:rPr lang="en-US" altLang="ko-KR" sz="1100" b="1">
+                <a:solidFill>
+                  <a:schemeClr val="tx1"/>
+                </a:solidFill>
+                <a:latin typeface="나눔고딕" panose="020D0604000000000000" pitchFamily="50" charset="-127"/>
+                <a:ea typeface="나눔고딕" panose="020D0604000000000000" pitchFamily="50" charset="-127"/>
+              </a:rPr>
+              <a:t>enter(self, event)</a:t>
+            </a:r>
+            <a:endParaRPr lang="ko-KR" altLang="en-US" sz="1100" b="1">
+              <a:solidFill>
+                <a:schemeClr val="tx1"/>
+              </a:solidFill>
+              <a:latin typeface="나눔고딕" panose="020D0604000000000000" pitchFamily="50" charset="-127"/>
+              <a:ea typeface="나눔고딕" panose="020D0604000000000000" pitchFamily="50" charset="-127"/>
+            </a:endParaRPr>
+          </a:p>
+        </p:txBody>
+      </p:sp>
+      <p:sp>
+        <p:nvSpPr>
+          <p:cNvPr id="35" name="다이아몬드 34">
+            <a:extLst>
+              <a:ext uri="{FF2B5EF4-FFF2-40B4-BE49-F238E27FC236}">
+                <a16:creationId xmlns:a16="http://schemas.microsoft.com/office/drawing/2014/main" id="{500F31EC-F4C6-92EE-113F-7F30294275B2}"/>
+              </a:ext>
+            </a:extLst>
+          </p:cNvPr>
+          <p:cNvSpPr/>
+          <p:nvPr/>
+        </p:nvSpPr>
+        <p:spPr>
+          <a:xfrm>
+            <a:off x="6023266" y="1320445"/>
+            <a:ext cx="1250830" cy="431320"/>
+          </a:xfrm>
+          <a:prstGeom prst="diamond">
+            <a:avLst/>
+          </a:prstGeom>
+          <a:solidFill>
+            <a:schemeClr val="accent6">
+              <a:lumMod val="40000"/>
+              <a:lumOff val="60000"/>
+            </a:schemeClr>
+          </a:solidFill>
+          <a:ln w="19050">
+            <a:solidFill>
+              <a:schemeClr val="tx1"/>
+            </a:solidFill>
+          </a:ln>
+        </p:spPr>
+        <p:style>
+          <a:lnRef idx="2">
+            <a:schemeClr val="accent1">
+              <a:shade val="50000"/>
+            </a:schemeClr>
+          </a:lnRef>
+          <a:fillRef idx="1">
+            <a:schemeClr val="accent1"/>
+          </a:fillRef>
+          <a:effectRef idx="0">
+            <a:schemeClr val="accent1"/>
+          </a:effectRef>
+          <a:fontRef idx="minor">
+            <a:schemeClr val="lt1"/>
+          </a:fontRef>
+        </p:style>
+        <p:txBody>
+          <a:bodyPr wrap="none" rtlCol="0" anchor="ctr"/>
+          <a:lstStyle/>
+          <a:p>
+            <a:pPr algn="ctr"/>
+            <a:r>
+              <a:rPr lang="en-US" altLang="ko-KR" sz="800">
+                <a:solidFill>
+                  <a:schemeClr val="tx1"/>
+                </a:solidFill>
+                <a:latin typeface="나눔고딕" panose="020D0604000000000000" pitchFamily="50" charset="-127"/>
+                <a:ea typeface="나눔고딕" panose="020D0604000000000000" pitchFamily="50" charset="-127"/>
+              </a:rPr>
+              <a:t> dir_x, dir_y </a:t>
+            </a:r>
+            <a:r>
+              <a:rPr lang="ko-KR" altLang="en-US" sz="800">
+                <a:solidFill>
+                  <a:schemeClr val="tx1"/>
+                </a:solidFill>
+                <a:latin typeface="나눔고딕" panose="020D0604000000000000" pitchFamily="50" charset="-127"/>
+                <a:ea typeface="나눔고딕" panose="020D0604000000000000" pitchFamily="50" charset="-127"/>
+              </a:rPr>
+              <a:t>조정</a:t>
+            </a:r>
+          </a:p>
+        </p:txBody>
+      </p:sp>
+      <p:cxnSp>
+        <p:nvCxnSpPr>
+          <p:cNvPr id="36" name="직선 화살표 연결선 35">
+            <a:extLst>
+              <a:ext uri="{FF2B5EF4-FFF2-40B4-BE49-F238E27FC236}">
+                <a16:creationId xmlns:a16="http://schemas.microsoft.com/office/drawing/2014/main" id="{8D0B1516-0273-73DD-41A5-03E4E5017D1A}"/>
+              </a:ext>
+            </a:extLst>
+          </p:cNvPr>
+          <p:cNvCxnSpPr>
+            <a:cxnSpLocks/>
+          </p:cNvCxnSpPr>
+          <p:nvPr/>
+        </p:nvCxnSpPr>
+        <p:spPr>
+          <a:xfrm flipH="1">
+            <a:off x="6648681" y="959209"/>
+            <a:ext cx="1" cy="361236"/>
+          </a:xfrm>
+          <a:prstGeom prst="straightConnector1">
+            <a:avLst/>
+          </a:prstGeom>
+          <a:ln>
+            <a:tailEnd type="triangle"/>
+          </a:ln>
+        </p:spPr>
+        <p:style>
+          <a:lnRef idx="1">
+            <a:schemeClr val="dk1"/>
+          </a:lnRef>
+          <a:fillRef idx="0">
+            <a:schemeClr val="dk1"/>
+          </a:fillRef>
+          <a:effectRef idx="0">
+            <a:schemeClr val="dk1"/>
+          </a:effectRef>
+          <a:fontRef idx="minor">
+            <a:schemeClr val="tx1"/>
+          </a:fontRef>
+        </p:style>
+      </p:cxnSp>
+      <p:cxnSp>
+        <p:nvCxnSpPr>
+          <p:cNvPr id="37" name="직선 화살표 연결선 36">
+            <a:extLst>
+              <a:ext uri="{FF2B5EF4-FFF2-40B4-BE49-F238E27FC236}">
+                <a16:creationId xmlns:a16="http://schemas.microsoft.com/office/drawing/2014/main" id="{6DBF7D54-E22A-83FD-7C5D-D81C8427D1B1}"/>
+              </a:ext>
+            </a:extLst>
+          </p:cNvPr>
+          <p:cNvCxnSpPr>
+            <a:cxnSpLocks/>
+          </p:cNvCxnSpPr>
+          <p:nvPr/>
+        </p:nvCxnSpPr>
+        <p:spPr>
+          <a:xfrm flipH="1">
+            <a:off x="6648681" y="1751332"/>
+            <a:ext cx="1" cy="361236"/>
+          </a:xfrm>
+          <a:prstGeom prst="straightConnector1">
+            <a:avLst/>
+          </a:prstGeom>
+          <a:ln>
+            <a:tailEnd type="triangle"/>
+          </a:ln>
+        </p:spPr>
+        <p:style>
+          <a:lnRef idx="1">
+            <a:schemeClr val="dk1"/>
+          </a:lnRef>
+          <a:fillRef idx="0">
+            <a:schemeClr val="dk1"/>
+          </a:fillRef>
+          <a:effectRef idx="0">
+            <a:schemeClr val="dk1"/>
+          </a:effectRef>
+          <a:fontRef idx="minor">
+            <a:schemeClr val="tx1"/>
+          </a:fontRef>
+        </p:style>
+      </p:cxnSp>
+      <p:sp>
+        <p:nvSpPr>
+          <p:cNvPr id="38" name="직사각형 37">
+            <a:extLst>
+              <a:ext uri="{FF2B5EF4-FFF2-40B4-BE49-F238E27FC236}">
+                <a16:creationId xmlns:a16="http://schemas.microsoft.com/office/drawing/2014/main" id="{8F0558DF-69E6-A1AF-9ECF-85F0EBD9EC50}"/>
+              </a:ext>
+            </a:extLst>
+          </p:cNvPr>
+          <p:cNvSpPr/>
+          <p:nvPr/>
+        </p:nvSpPr>
+        <p:spPr>
+          <a:xfrm>
+            <a:off x="5992413" y="2112568"/>
+            <a:ext cx="1292341" cy="430887"/>
+          </a:xfrm>
+          <a:prstGeom prst="rect">
+            <a:avLst/>
+          </a:prstGeom>
+          <a:solidFill>
+            <a:schemeClr val="accent2">
+              <a:lumMod val="20000"/>
+              <a:lumOff val="80000"/>
+            </a:schemeClr>
+          </a:solidFill>
+          <a:ln w="19050">
+            <a:solidFill>
+              <a:schemeClr val="tx1"/>
+            </a:solidFill>
+          </a:ln>
+        </p:spPr>
+        <p:style>
+          <a:lnRef idx="2">
+            <a:schemeClr val="accent1">
+              <a:shade val="50000"/>
+            </a:schemeClr>
+          </a:lnRef>
+          <a:fillRef idx="1">
+            <a:schemeClr val="accent1"/>
+          </a:fillRef>
+          <a:effectRef idx="0">
+            <a:schemeClr val="accent1"/>
+          </a:effectRef>
+          <a:fontRef idx="minor">
+            <a:schemeClr val="lt1"/>
+          </a:fontRef>
+        </p:style>
+        <p:txBody>
+          <a:bodyPr wrap="none" rtlCol="0" anchor="ctr">
+            <a:spAutoFit/>
+          </a:bodyPr>
+          <a:lstStyle/>
+          <a:p>
+            <a:pPr algn="ctr"/>
+            <a:r>
+              <a:rPr lang="en-US" altLang="ko-KR" sz="1100" b="1">
+                <a:solidFill>
+                  <a:schemeClr val="tx1"/>
+                </a:solidFill>
+                <a:latin typeface="나눔고딕" panose="020D0604000000000000" pitchFamily="50" charset="-127"/>
+                <a:ea typeface="나눔고딕" panose="020D0604000000000000" pitchFamily="50" charset="-127"/>
+              </a:rPr>
+              <a:t>&lt;RUN&gt;</a:t>
+            </a:r>
+          </a:p>
+          <a:p>
+            <a:pPr algn="ctr"/>
+            <a:r>
+              <a:rPr lang="en-US" altLang="ko-KR" sz="1100" b="1">
+                <a:solidFill>
+                  <a:schemeClr val="tx1"/>
+                </a:solidFill>
+                <a:latin typeface="나눔고딕" panose="020D0604000000000000" pitchFamily="50" charset="-127"/>
+                <a:ea typeface="나눔고딕" panose="020D0604000000000000" pitchFamily="50" charset="-127"/>
+              </a:rPr>
+              <a:t>enter(self, event)</a:t>
+            </a:r>
+            <a:endParaRPr lang="ko-KR" altLang="en-US" sz="1100" b="1">
+              <a:solidFill>
+                <a:schemeClr val="tx1"/>
+              </a:solidFill>
+              <a:latin typeface="나눔고딕" panose="020D0604000000000000" pitchFamily="50" charset="-127"/>
+              <a:ea typeface="나눔고딕" panose="020D0604000000000000" pitchFamily="50" charset="-127"/>
+            </a:endParaRPr>
+          </a:p>
+        </p:txBody>
+      </p:sp>
+      <p:cxnSp>
+        <p:nvCxnSpPr>
+          <p:cNvPr id="39" name="직선 화살표 연결선 38">
+            <a:extLst>
+              <a:ext uri="{FF2B5EF4-FFF2-40B4-BE49-F238E27FC236}">
+                <a16:creationId xmlns:a16="http://schemas.microsoft.com/office/drawing/2014/main" id="{AEB2F613-BE85-FE52-45D7-4F7466899A8F}"/>
+              </a:ext>
+            </a:extLst>
+          </p:cNvPr>
+          <p:cNvCxnSpPr>
+            <a:cxnSpLocks/>
+          </p:cNvCxnSpPr>
+          <p:nvPr/>
+        </p:nvCxnSpPr>
+        <p:spPr>
+          <a:xfrm flipH="1">
+            <a:off x="6638023" y="2543022"/>
+            <a:ext cx="1" cy="361236"/>
+          </a:xfrm>
+          <a:prstGeom prst="straightConnector1">
+            <a:avLst/>
+          </a:prstGeom>
+          <a:ln>
+            <a:tailEnd type="triangle"/>
+          </a:ln>
+        </p:spPr>
+        <p:style>
+          <a:lnRef idx="1">
+            <a:schemeClr val="dk1"/>
+          </a:lnRef>
+          <a:fillRef idx="0">
+            <a:schemeClr val="dk1"/>
+          </a:fillRef>
+          <a:effectRef idx="0">
+            <a:schemeClr val="dk1"/>
+          </a:effectRef>
+          <a:fontRef idx="minor">
+            <a:schemeClr val="tx1"/>
+          </a:fontRef>
+        </p:style>
+      </p:cxnSp>
+      <p:sp>
+        <p:nvSpPr>
+          <p:cNvPr id="40" name="직사각형 39">
+            <a:extLst>
+              <a:ext uri="{FF2B5EF4-FFF2-40B4-BE49-F238E27FC236}">
+                <a16:creationId xmlns:a16="http://schemas.microsoft.com/office/drawing/2014/main" id="{48604E5F-2279-99A2-EC3C-D4A515C2AB8A}"/>
+              </a:ext>
+            </a:extLst>
+          </p:cNvPr>
+          <p:cNvSpPr/>
+          <p:nvPr/>
+        </p:nvSpPr>
+        <p:spPr>
+          <a:xfrm>
+            <a:off x="6077133" y="2904258"/>
+            <a:ext cx="1101585" cy="430887"/>
+          </a:xfrm>
+          <a:prstGeom prst="rect">
+            <a:avLst/>
+          </a:prstGeom>
+          <a:solidFill>
+            <a:schemeClr val="accent2">
+              <a:lumMod val="20000"/>
+              <a:lumOff val="80000"/>
+            </a:schemeClr>
+          </a:solidFill>
+          <a:ln w="19050">
+            <a:solidFill>
+              <a:schemeClr val="tx1"/>
+            </a:solidFill>
+          </a:ln>
+        </p:spPr>
+        <p:style>
+          <a:lnRef idx="2">
+            <a:schemeClr val="accent1">
+              <a:shade val="50000"/>
+            </a:schemeClr>
+          </a:lnRef>
+          <a:fillRef idx="1">
+            <a:schemeClr val="accent1"/>
+          </a:fillRef>
+          <a:effectRef idx="0">
+            <a:schemeClr val="accent1"/>
+          </a:effectRef>
+          <a:fontRef idx="minor">
+            <a:schemeClr val="lt1"/>
+          </a:fontRef>
+        </p:style>
+        <p:txBody>
+          <a:bodyPr wrap="none" rtlCol="0" anchor="ctr">
+            <a:spAutoFit/>
+          </a:bodyPr>
+          <a:lstStyle/>
+          <a:p>
+            <a:pPr algn="ctr"/>
+            <a:r>
+              <a:rPr lang="en-US" altLang="ko-KR" sz="1100" b="1">
+                <a:solidFill>
+                  <a:schemeClr val="tx1"/>
+                </a:solidFill>
+                <a:latin typeface="나눔고딕" panose="020D0604000000000000" pitchFamily="50" charset="-127"/>
+                <a:ea typeface="나눔고딕" panose="020D0604000000000000" pitchFamily="50" charset="-127"/>
+              </a:rPr>
+              <a:t>&lt;Player&gt;</a:t>
+            </a:r>
+          </a:p>
+          <a:p>
+            <a:pPr algn="ctr"/>
+            <a:r>
+              <a:rPr lang="en-US" altLang="ko-KR" sz="1100" b="1">
+                <a:solidFill>
+                  <a:schemeClr val="tx1"/>
+                </a:solidFill>
+                <a:latin typeface="나눔고딕" panose="020D0604000000000000" pitchFamily="50" charset="-127"/>
+                <a:ea typeface="나눔고딕" panose="020D0604000000000000" pitchFamily="50" charset="-127"/>
+              </a:rPr>
+              <a:t> update, draw</a:t>
+            </a:r>
+            <a:endParaRPr lang="ko-KR" altLang="en-US" sz="1100" b="1">
+              <a:solidFill>
+                <a:schemeClr val="tx1"/>
+              </a:solidFill>
+              <a:latin typeface="나눔고딕" panose="020D0604000000000000" pitchFamily="50" charset="-127"/>
+              <a:ea typeface="나눔고딕" panose="020D0604000000000000" pitchFamily="50" charset="-127"/>
+            </a:endParaRPr>
+          </a:p>
+        </p:txBody>
+      </p:sp>
+      <p:sp>
+        <p:nvSpPr>
+          <p:cNvPr id="41" name="직사각형 40">
+            <a:extLst>
+              <a:ext uri="{FF2B5EF4-FFF2-40B4-BE49-F238E27FC236}">
+                <a16:creationId xmlns:a16="http://schemas.microsoft.com/office/drawing/2014/main" id="{EA6BD2CC-0CCE-7ED7-E9AD-831938CF9125}"/>
+              </a:ext>
+            </a:extLst>
+          </p:cNvPr>
+          <p:cNvSpPr/>
+          <p:nvPr/>
+        </p:nvSpPr>
+        <p:spPr>
+          <a:xfrm>
+            <a:off x="3594338" y="2517340"/>
+            <a:ext cx="1153065" cy="407118"/>
+          </a:xfrm>
+          <a:prstGeom prst="rect">
+            <a:avLst/>
+          </a:prstGeom>
+          <a:solidFill>
+            <a:schemeClr val="accent2">
+              <a:lumMod val="20000"/>
+              <a:lumOff val="80000"/>
+            </a:schemeClr>
+          </a:solidFill>
+          <a:ln w="19050">
+            <a:solidFill>
+              <a:schemeClr val="tx1"/>
+            </a:solidFill>
+          </a:ln>
+        </p:spPr>
+        <p:style>
+          <a:lnRef idx="2">
+            <a:schemeClr val="accent1">
+              <a:shade val="50000"/>
+            </a:schemeClr>
+          </a:lnRef>
+          <a:fillRef idx="1">
+            <a:schemeClr val="accent1"/>
+          </a:fillRef>
+          <a:effectRef idx="0">
+            <a:schemeClr val="accent1"/>
+          </a:effectRef>
+          <a:fontRef idx="minor">
+            <a:schemeClr val="lt1"/>
+          </a:fontRef>
+        </p:style>
+        <p:txBody>
+          <a:bodyPr rtlCol="0" anchor="ctr"/>
+          <a:lstStyle/>
+          <a:p>
+            <a:pPr algn="ctr"/>
+            <a:r>
+              <a:rPr lang="en-US" altLang="ko-KR" sz="1100" b="1">
+                <a:solidFill>
+                  <a:schemeClr val="tx1"/>
+                </a:solidFill>
+                <a:latin typeface="나눔고딕" panose="020D0604000000000000" pitchFamily="50" charset="-127"/>
+                <a:ea typeface="나눔고딕" panose="020D0604000000000000" pitchFamily="50" charset="-127"/>
+              </a:rPr>
+              <a:t>&lt;play_state&gt;</a:t>
+            </a:r>
+          </a:p>
+          <a:p>
+            <a:pPr algn="ctr"/>
+            <a:r>
+              <a:rPr lang="en-US" altLang="ko-KR" sz="1100" b="1">
+                <a:solidFill>
+                  <a:schemeClr val="tx1"/>
+                </a:solidFill>
+                <a:latin typeface="나눔고딕" panose="020D0604000000000000" pitchFamily="50" charset="-127"/>
+                <a:ea typeface="나눔고딕" panose="020D0604000000000000" pitchFamily="50" charset="-127"/>
+              </a:rPr>
+              <a:t>handle_events</a:t>
+            </a:r>
+            <a:endParaRPr lang="ko-KR" altLang="en-US" sz="1100" b="1">
+              <a:solidFill>
+                <a:schemeClr val="tx1"/>
+              </a:solidFill>
+              <a:latin typeface="나눔고딕" panose="020D0604000000000000" pitchFamily="50" charset="-127"/>
+              <a:ea typeface="나눔고딕" panose="020D0604000000000000" pitchFamily="50" charset="-127"/>
+            </a:endParaRPr>
+          </a:p>
+        </p:txBody>
+      </p:sp>
+      <p:cxnSp>
+        <p:nvCxnSpPr>
+          <p:cNvPr id="46" name="직선 연결선 45">
+            <a:extLst>
+              <a:ext uri="{FF2B5EF4-FFF2-40B4-BE49-F238E27FC236}">
+                <a16:creationId xmlns:a16="http://schemas.microsoft.com/office/drawing/2014/main" id="{09F79B76-B0D9-4EF3-AFEC-8CDE4054D60A}"/>
+              </a:ext>
+            </a:extLst>
+          </p:cNvPr>
+          <p:cNvCxnSpPr>
+            <a:stCxn id="40" idx="2"/>
+          </p:cNvCxnSpPr>
+          <p:nvPr/>
+        </p:nvCxnSpPr>
+        <p:spPr>
+          <a:xfrm flipH="1">
+            <a:off x="6627925" y="3335145"/>
+            <a:ext cx="1" cy="1443889"/>
+          </a:xfrm>
+          <a:prstGeom prst="line">
+            <a:avLst/>
+          </a:prstGeom>
+          <a:ln>
+            <a:solidFill>
+              <a:srgbClr val="FF0000"/>
+            </a:solidFill>
+          </a:ln>
+        </p:spPr>
+        <p:style>
+          <a:lnRef idx="1">
+            <a:schemeClr val="accent1"/>
+          </a:lnRef>
+          <a:fillRef idx="0">
+            <a:schemeClr val="accent1"/>
+          </a:fillRef>
+          <a:effectRef idx="0">
+            <a:schemeClr val="accent1"/>
+          </a:effectRef>
+          <a:fontRef idx="minor">
+            <a:schemeClr val="tx1"/>
+          </a:fontRef>
+        </p:style>
+      </p:cxnSp>
+      <p:cxnSp>
+        <p:nvCxnSpPr>
+          <p:cNvPr id="47" name="직선 연결선 46">
+            <a:extLst>
+              <a:ext uri="{FF2B5EF4-FFF2-40B4-BE49-F238E27FC236}">
+                <a16:creationId xmlns:a16="http://schemas.microsoft.com/office/drawing/2014/main" id="{2C5382FC-58C3-C49F-E709-83D5BBDEBB80}"/>
+              </a:ext>
+            </a:extLst>
+          </p:cNvPr>
+          <p:cNvCxnSpPr>
+            <a:cxnSpLocks/>
+          </p:cNvCxnSpPr>
+          <p:nvPr/>
+        </p:nvCxnSpPr>
+        <p:spPr>
+          <a:xfrm flipH="1" flipV="1">
+            <a:off x="3191774" y="4718649"/>
+            <a:ext cx="3446250" cy="60385"/>
+          </a:xfrm>
+          <a:prstGeom prst="line">
+            <a:avLst/>
+          </a:prstGeom>
+          <a:ln>
+            <a:solidFill>
+              <a:srgbClr val="FF0000"/>
+            </a:solidFill>
+          </a:ln>
+        </p:spPr>
+        <p:style>
+          <a:lnRef idx="1">
+            <a:schemeClr val="accent1"/>
+          </a:lnRef>
+          <a:fillRef idx="0">
+            <a:schemeClr val="accent1"/>
+          </a:fillRef>
+          <a:effectRef idx="0">
+            <a:schemeClr val="accent1"/>
+          </a:effectRef>
+          <a:fontRef idx="minor">
+            <a:schemeClr val="tx1"/>
+          </a:fontRef>
+        </p:style>
+      </p:cxnSp>
+      <p:cxnSp>
+        <p:nvCxnSpPr>
+          <p:cNvPr id="49" name="직선 연결선 48">
+            <a:extLst>
+              <a:ext uri="{FF2B5EF4-FFF2-40B4-BE49-F238E27FC236}">
+                <a16:creationId xmlns:a16="http://schemas.microsoft.com/office/drawing/2014/main" id="{FE4C8346-CECC-8C7A-6FB8-27617F47A8B7}"/>
+              </a:ext>
+            </a:extLst>
+          </p:cNvPr>
+          <p:cNvCxnSpPr>
+            <a:cxnSpLocks/>
+          </p:cNvCxnSpPr>
+          <p:nvPr/>
+        </p:nvCxnSpPr>
+        <p:spPr>
+          <a:xfrm flipH="1">
+            <a:off x="3189584" y="2737746"/>
+            <a:ext cx="23414" cy="1980903"/>
+          </a:xfrm>
+          <a:prstGeom prst="line">
+            <a:avLst/>
+          </a:prstGeom>
+          <a:ln>
+            <a:solidFill>
+              <a:srgbClr val="FF0000"/>
+            </a:solidFill>
+          </a:ln>
+        </p:spPr>
+        <p:style>
+          <a:lnRef idx="1">
+            <a:schemeClr val="accent1"/>
+          </a:lnRef>
+          <a:fillRef idx="0">
+            <a:schemeClr val="accent1"/>
+          </a:fillRef>
+          <a:effectRef idx="0">
+            <a:schemeClr val="accent1"/>
+          </a:effectRef>
+          <a:fontRef idx="minor">
+            <a:schemeClr val="tx1"/>
+          </a:fontRef>
+        </p:style>
+      </p:cxnSp>
+      <p:cxnSp>
+        <p:nvCxnSpPr>
+          <p:cNvPr id="52" name="직선 화살표 연결선 51">
+            <a:extLst>
+              <a:ext uri="{FF2B5EF4-FFF2-40B4-BE49-F238E27FC236}">
+                <a16:creationId xmlns:a16="http://schemas.microsoft.com/office/drawing/2014/main" id="{AA8AC284-7B68-EE9D-C315-0F098075359A}"/>
+              </a:ext>
+            </a:extLst>
+          </p:cNvPr>
+          <p:cNvCxnSpPr>
+            <a:cxnSpLocks/>
+            <a:endCxn id="41" idx="1"/>
+          </p:cNvCxnSpPr>
+          <p:nvPr/>
+        </p:nvCxnSpPr>
+        <p:spPr>
+          <a:xfrm>
+            <a:off x="3201291" y="2720899"/>
+            <a:ext cx="393047" cy="0"/>
+          </a:xfrm>
+          <a:prstGeom prst="straightConnector1">
+            <a:avLst/>
+          </a:prstGeom>
+          <a:ln>
+            <a:solidFill>
+              <a:srgbClr val="FF0000"/>
+            </a:solidFill>
+            <a:tailEnd type="triangle"/>
+          </a:ln>
+        </p:spPr>
+        <p:style>
+          <a:lnRef idx="1">
+            <a:schemeClr val="accent1"/>
+          </a:lnRef>
+          <a:fillRef idx="0">
+            <a:schemeClr val="accent1"/>
+          </a:fillRef>
+          <a:effectRef idx="0">
+            <a:schemeClr val="accent1"/>
+          </a:effectRef>
+          <a:fontRef idx="minor">
+            <a:schemeClr val="tx1"/>
+          </a:fontRef>
+        </p:style>
+      </p:cxnSp>
+      <p:sp>
+        <p:nvSpPr>
+          <p:cNvPr id="56" name="TextBox 55">
+            <a:extLst>
+              <a:ext uri="{FF2B5EF4-FFF2-40B4-BE49-F238E27FC236}">
+                <a16:creationId xmlns:a16="http://schemas.microsoft.com/office/drawing/2014/main" id="{E68170D4-1C9F-1E71-A28A-4820D8EE3250}"/>
+              </a:ext>
+            </a:extLst>
+          </p:cNvPr>
+          <p:cNvSpPr txBox="1"/>
+          <p:nvPr/>
+        </p:nvSpPr>
+        <p:spPr>
+          <a:xfrm>
+            <a:off x="5936983" y="108139"/>
+            <a:ext cx="1661117" cy="400110"/>
+          </a:xfrm>
+          <a:prstGeom prst="rect">
+            <a:avLst/>
+          </a:prstGeom>
+          <a:solidFill>
+            <a:srgbClr val="00B0F0">
+              <a:alpha val="40000"/>
+            </a:srgbClr>
+          </a:solidFill>
+        </p:spPr>
+        <p:txBody>
+          <a:bodyPr wrap="square" rtlCol="0">
+            <a:spAutoFit/>
+          </a:bodyPr>
+          <a:lstStyle/>
+          <a:p>
+            <a:pPr algn="ctr"/>
+            <a:r>
+              <a:rPr lang="ko-KR" altLang="en-US" sz="1000"/>
+              <a:t>이벤트 큐에서 들어가는 이벤트가 하나라는 것</a:t>
+            </a:r>
+            <a:r>
+              <a:rPr lang="en-US" altLang="ko-KR" sz="1000"/>
+              <a:t>!</a:t>
+            </a:r>
+            <a:endParaRPr lang="ko-KR" altLang="en-US" sz="1000"/>
+          </a:p>
+        </p:txBody>
+      </p:sp>
+      <p:sp>
+        <p:nvSpPr>
+          <p:cNvPr id="57" name="TextBox 56">
+            <a:extLst>
+              <a:ext uri="{FF2B5EF4-FFF2-40B4-BE49-F238E27FC236}">
+                <a16:creationId xmlns:a16="http://schemas.microsoft.com/office/drawing/2014/main" id="{A254ADCA-9351-F104-6B3E-C138A64A7961}"/>
+              </a:ext>
+            </a:extLst>
+          </p:cNvPr>
+          <p:cNvSpPr txBox="1"/>
+          <p:nvPr/>
+        </p:nvSpPr>
+        <p:spPr>
+          <a:xfrm>
+            <a:off x="6767541" y="1064187"/>
+            <a:ext cx="1731167" cy="400110"/>
+          </a:xfrm>
+          <a:prstGeom prst="rect">
+            <a:avLst/>
+          </a:prstGeom>
+          <a:solidFill>
+            <a:srgbClr val="00B0F0">
+              <a:alpha val="40000"/>
+            </a:srgbClr>
+          </a:solidFill>
+        </p:spPr>
+        <p:txBody>
+          <a:bodyPr wrap="square" rtlCol="0">
+            <a:spAutoFit/>
+          </a:bodyPr>
+          <a:lstStyle/>
+          <a:p>
+            <a:pPr algn="ctr"/>
+            <a:r>
+              <a:rPr lang="ko-KR" altLang="en-US" sz="1000"/>
+              <a:t>모든 이벤트를 검사한 후에</a:t>
+            </a:r>
+            <a:endParaRPr lang="en-US" altLang="ko-KR" sz="1000"/>
+          </a:p>
+          <a:p>
+            <a:pPr algn="ctr"/>
+            <a:r>
+              <a:rPr lang="ko-KR" altLang="en-US" sz="1000"/>
+              <a:t>조정을 해야함</a:t>
+            </a:r>
+          </a:p>
+        </p:txBody>
+      </p:sp>
+    </p:spTree>
+    <p:extLst>
+      <p:ext uri="{BB962C8B-B14F-4D97-AF65-F5344CB8AC3E}">
+        <p14:creationId xmlns:p14="http://schemas.microsoft.com/office/powerpoint/2010/main" val="866462570"/>
       </p:ext>
     </p:extLst>
   </p:cSld>
